--- a/20201105_송영호_KPS_ReactionGUI.pptx
+++ b/20201105_송영호_KPS_ReactionGUI.pptx
@@ -236,7 +236,7 @@
           <a:p>
             <a:fld id="{AA4AF792-F1C3-4C8C-AF1D-E27D49F58C78}" type="datetimeFigureOut">
               <a:rPr lang="ko-KR" altLang="en-US" smtClean="0"/>
-              <a:t>2020-11-03</a:t>
+              <a:t>2020-11-04</a:t>
             </a:fld>
             <a:endParaRPr lang="ko-KR" altLang="en-US"/>
           </a:p>
@@ -795,7 +795,7 @@
           <a:p>
             <a:fld id="{FB30EDBD-1C2D-4C1E-B459-B60219FAB484}" type="datetimeFigureOut">
               <a:rPr lang="ko-KR" altLang="en-US" smtClean="0"/>
-              <a:t>2020-11-03</a:t>
+              <a:t>2020-11-04</a:t>
             </a:fld>
             <a:endParaRPr lang="ko-KR" altLang="en-US"/>
           </a:p>
@@ -986,7 +986,7 @@
           <a:p>
             <a:fld id="{FB30EDBD-1C2D-4C1E-B459-B60219FAB484}" type="datetimeFigureOut">
               <a:rPr lang="ko-KR" altLang="en-US" smtClean="0"/>
-              <a:t>2020-11-03</a:t>
+              <a:t>2020-11-04</a:t>
             </a:fld>
             <a:endParaRPr lang="ko-KR" altLang="en-US"/>
           </a:p>
@@ -1171,7 +1171,7 @@
           <a:p>
             <a:fld id="{FB30EDBD-1C2D-4C1E-B459-B60219FAB484}" type="datetimeFigureOut">
               <a:rPr lang="ko-KR" altLang="en-US" smtClean="0"/>
-              <a:t>2020-11-03</a:t>
+              <a:t>2020-11-04</a:t>
             </a:fld>
             <a:endParaRPr lang="ko-KR" altLang="en-US"/>
           </a:p>
@@ -1434,7 +1434,7 @@
           <a:p>
             <a:fld id="{FB30EDBD-1C2D-4C1E-B459-B60219FAB484}" type="datetimeFigureOut">
               <a:rPr lang="ko-KR" altLang="en-US" smtClean="0"/>
-              <a:t>2020-11-03</a:t>
+              <a:t>2020-11-04</a:t>
             </a:fld>
             <a:endParaRPr lang="ko-KR" altLang="en-US"/>
           </a:p>
@@ -1850,7 +1850,7 @@
           <a:p>
             <a:fld id="{FB30EDBD-1C2D-4C1E-B459-B60219FAB484}" type="datetimeFigureOut">
               <a:rPr lang="ko-KR" altLang="en-US" smtClean="0"/>
-              <a:t>2020-11-03</a:t>
+              <a:t>2020-11-04</a:t>
             </a:fld>
             <a:endParaRPr lang="ko-KR" altLang="en-US"/>
           </a:p>
@@ -2092,7 +2092,7 @@
           <a:p>
             <a:fld id="{FB30EDBD-1C2D-4C1E-B459-B60219FAB484}" type="datetimeFigureOut">
               <a:rPr lang="ko-KR" altLang="en-US" smtClean="0"/>
-              <a:t>2020-11-03</a:t>
+              <a:t>2020-11-04</a:t>
             </a:fld>
             <a:endParaRPr lang="ko-KR" altLang="en-US"/>
           </a:p>
@@ -2328,7 +2328,7 @@
           <a:p>
             <a:fld id="{FB30EDBD-1C2D-4C1E-B459-B60219FAB484}" type="datetimeFigureOut">
               <a:rPr lang="ko-KR" altLang="en-US" smtClean="0"/>
-              <a:t>2020-11-03</a:t>
+              <a:t>2020-11-04</a:t>
             </a:fld>
             <a:endParaRPr lang="ko-KR" altLang="en-US"/>
           </a:p>
@@ -2523,7 +2523,7 @@
           <a:p>
             <a:fld id="{FB30EDBD-1C2D-4C1E-B459-B60219FAB484}" type="datetimeFigureOut">
               <a:rPr lang="ko-KR" altLang="en-US" smtClean="0"/>
-              <a:t>2020-11-03</a:t>
+              <a:t>2020-11-04</a:t>
             </a:fld>
             <a:endParaRPr lang="ko-KR" altLang="en-US"/>
           </a:p>
@@ -2621,7 +2621,7 @@
           <a:p>
             <a:fld id="{FB30EDBD-1C2D-4C1E-B459-B60219FAB484}" type="datetimeFigureOut">
               <a:rPr lang="ko-KR" altLang="en-US" smtClean="0"/>
-              <a:t>2020-11-03</a:t>
+              <a:t>2020-11-04</a:t>
             </a:fld>
             <a:endParaRPr lang="ko-KR" altLang="en-US"/>
           </a:p>
@@ -2757,7 +2757,7 @@
           <a:p>
             <a:fld id="{FB30EDBD-1C2D-4C1E-B459-B60219FAB484}" type="datetimeFigureOut">
               <a:rPr lang="ko-KR" altLang="en-US" smtClean="0"/>
-              <a:t>2020-11-03</a:t>
+              <a:t>2020-11-04</a:t>
             </a:fld>
             <a:endParaRPr lang="ko-KR" altLang="en-US"/>
           </a:p>
@@ -3275,7 +3275,7 @@
           <a:p>
             <a:fld id="{FB30EDBD-1C2D-4C1E-B459-B60219FAB484}" type="datetimeFigureOut">
               <a:rPr lang="ko-KR" altLang="en-US" smtClean="0"/>
-              <a:t>2020-11-03</a:t>
+              <a:t>2020-11-04</a:t>
             </a:fld>
             <a:endParaRPr lang="ko-KR" altLang="en-US"/>
           </a:p>
@@ -3536,7 +3536,7 @@
           <a:p>
             <a:fld id="{FB30EDBD-1C2D-4C1E-B459-B60219FAB484}" type="datetimeFigureOut">
               <a:rPr lang="ko-KR" altLang="en-US" smtClean="0"/>
-              <a:t>2020-11-03</a:t>
+              <a:t>2020-11-04</a:t>
             </a:fld>
             <a:endParaRPr lang="ko-KR" altLang="en-US"/>
           </a:p>
@@ -5298,13 +5298,8 @@
           <a:p>
             <a:r>
               <a:rPr lang="en-US" altLang="ko-KR" dirty="0" smtClean="0"/>
-              <a:t>Or User </a:t>
-            </a:r>
-            <a:r>
-              <a:rPr lang="en-US" altLang="ko-KR" dirty="0" smtClean="0"/>
-              <a:t>input of density profile</a:t>
-            </a:r>
-            <a:endParaRPr lang="en-US" altLang="ko-KR" dirty="0" smtClean="0"/>
+              <a:t>Or User input of density profile</a:t>
+            </a:r>
           </a:p>
         </p:txBody>
       </p:sp>
@@ -10454,15 +10449,7 @@
           <a:p>
             <a:r>
               <a:rPr lang="en-US" altLang="ko-KR" dirty="0" smtClean="0"/>
-              <a:t>GUI code is </a:t>
-            </a:r>
-            <a:r>
-              <a:rPr lang="en-US" altLang="ko-KR" dirty="0" smtClean="0"/>
-              <a:t>developed </a:t>
-            </a:r>
-            <a:r>
-              <a:rPr lang="en-US" altLang="ko-KR" dirty="0" smtClean="0"/>
-              <a:t>by </a:t>
+              <a:t>GUI code is developed by </a:t>
             </a:r>
             <a:r>
               <a:rPr lang="en-US" altLang="ko-KR" dirty="0"/>
@@ -10472,7 +10459,6 @@
               <a:rPr lang="en-US" altLang="ko-KR" dirty="0" smtClean="0"/>
               <a:t>.</a:t>
             </a:r>
-            <a:endParaRPr lang="en-US" altLang="ko-KR" dirty="0" smtClean="0"/>
           </a:p>
           <a:p>
             <a:r>
@@ -10594,13 +10580,7 @@
               <a:rPr lang="en-US" altLang="ko-KR" sz="2400" dirty="0" smtClean="0">
                 <a:hlinkClick r:id="rId2"/>
               </a:rPr>
-              <a:t>Search </a:t>
-            </a:r>
-            <a:r>
-              <a:rPr lang="en-US" altLang="ko-KR" sz="2400" dirty="0" smtClean="0">
-                <a:hlinkClick r:id="rId2"/>
-              </a:rPr>
-              <a:t>“</a:t>
+              <a:t>Search “</a:t>
             </a:r>
             <a:r>
               <a:rPr lang="en-US" altLang="ko-KR" sz="2400" dirty="0" err="1" smtClean="0">
@@ -10612,13 +10592,7 @@
               <a:rPr lang="en-US" altLang="ko-KR" sz="2400" dirty="0" smtClean="0">
                 <a:hlinkClick r:id="rId2"/>
               </a:rPr>
-              <a:t>” </a:t>
-            </a:r>
-            <a:r>
-              <a:rPr lang="en-US" altLang="ko-KR" sz="2400" dirty="0" smtClean="0">
-                <a:hlinkClick r:id="rId2"/>
-              </a:rPr>
-              <a:t>at GitHub</a:t>
+              <a:t>” at GitHub</a:t>
             </a:r>
           </a:p>
           <a:p>
@@ -10815,7 +10789,7 @@
       </p:sp>
       <p:pic>
         <p:nvPicPr>
-          <p:cNvPr id="6" name="그림 5"/>
+          <p:cNvPr id="4" name="그림 3"/>
           <p:cNvPicPr>
             <a:picLocks noChangeAspect="1"/>
           </p:cNvPicPr>
@@ -10829,8 +10803,8 @@
         </p:blipFill>
         <p:spPr>
           <a:xfrm>
-            <a:off x="454894" y="1600201"/>
-            <a:ext cx="7987327" cy="4061048"/>
+            <a:off x="111442" y="1988840"/>
+            <a:ext cx="8921115" cy="3888432"/>
           </a:xfrm>
           <a:prstGeom prst="rect">
             <a:avLst/>
@@ -10888,7 +10862,7 @@
       </p:sp>
       <p:pic>
         <p:nvPicPr>
-          <p:cNvPr id="4" name="그림 3"/>
+          <p:cNvPr id="3" name="그림 2"/>
           <p:cNvPicPr>
             <a:picLocks noChangeAspect="1"/>
           </p:cNvPicPr>
@@ -10902,8 +10876,8 @@
         </p:blipFill>
         <p:spPr>
           <a:xfrm>
-            <a:off x="755576" y="1700808"/>
-            <a:ext cx="6770459" cy="4421088"/>
+            <a:off x="535299" y="1772816"/>
+            <a:ext cx="8230749" cy="4696480"/>
           </a:xfrm>
           <a:prstGeom prst="rect">
             <a:avLst/>
@@ -11000,11 +10974,7 @@
           <a:p>
             <a:r>
               <a:rPr lang="en-US" altLang="ko-KR" dirty="0" smtClean="0"/>
-              <a:t>Input parameter </a:t>
-            </a:r>
-            <a:r>
-              <a:rPr lang="en-US" altLang="ko-KR" dirty="0" smtClean="0"/>
-              <a:t>values</a:t>
+              <a:t>Input parameter values</a:t>
             </a:r>
           </a:p>
           <a:p>
@@ -11045,7 +11015,6 @@
               <a:rPr lang="en-US" altLang="ko-KR" dirty="0" smtClean="0"/>
               <a:t>Potentials/compute/plot</a:t>
             </a:r>
-            <a:endParaRPr lang="en-US" altLang="ko-KR" dirty="0" smtClean="0"/>
           </a:p>
           <a:p>
             <a:endParaRPr lang="en-US" altLang="ko-KR" dirty="0"/>
